--- a/Baseball Presentation/Team 10 Baseball Catcher Presentation.pptx
+++ b/Baseball Presentation/Team 10 Baseball Catcher Presentation.pptx
@@ -9,7 +9,8 @@
     <p:sldId id="257" r:id="rId3"/>
     <p:sldId id="260" r:id="rId4"/>
     <p:sldId id="258" r:id="rId5"/>
-    <p:sldId id="259" r:id="rId6"/>
+    <p:sldId id="261" r:id="rId6"/>
+    <p:sldId id="259" r:id="rId7"/>
   </p:sldIdLst>
   <p:sldSz cx="12192000" cy="6858000"/>
   <p:notesSz cx="6858000" cy="9144000"/>
@@ -168,7 +169,7 @@
           <a:noFill/>
           <a:extLst>
             <a:ext uri="{909E8E84-426E-40dd-AFC4-6F175D3DCCD1}">
-              <a14:hiddenFill xmlns:a14="http://schemas.microsoft.com/office/drawing/2010/main" xmlns="">
+              <a14:hiddenFill xmlns:a14="http://schemas.microsoft.com/office/drawing/2010/main">
                 <a:solidFill>
                   <a:srgbClr val="FFFFFF"/>
                 </a:solidFill>
@@ -227,7 +228,7 @@
             </a:ln>
             <a:extLst>
               <a:ext uri="{91240B29-F687-4f45-9708-019B960494DF}">
-                <a14:hiddenLine xmlns:a14="http://schemas.microsoft.com/office/drawing/2010/main" xmlns="" w="9525">
+                <a14:hiddenLine xmlns:a14="http://schemas.microsoft.com/office/drawing/2010/main" w="9525">
                   <a:solidFill>
                     <a:srgbClr val="000000"/>
                   </a:solidFill>
@@ -317,7 +318,7 @@
             </a:ln>
             <a:extLst>
               <a:ext uri="{91240B29-F687-4f45-9708-019B960494DF}">
-                <a14:hiddenLine xmlns:a14="http://schemas.microsoft.com/office/drawing/2010/main" xmlns="" w="9525">
+                <a14:hiddenLine xmlns:a14="http://schemas.microsoft.com/office/drawing/2010/main" w="9525">
                   <a:solidFill>
                     <a:srgbClr val="000000"/>
                   </a:solidFill>
@@ -407,7 +408,7 @@
             </a:ln>
             <a:extLst>
               <a:ext uri="{91240B29-F687-4f45-9708-019B960494DF}">
-                <a14:hiddenLine xmlns:a14="http://schemas.microsoft.com/office/drawing/2010/main" xmlns="" w="9525">
+                <a14:hiddenLine xmlns:a14="http://schemas.microsoft.com/office/drawing/2010/main" w="9525">
                   <a:solidFill>
                     <a:srgbClr val="000000"/>
                   </a:solidFill>
@@ -441,7 +442,7 @@
             </a:ln>
             <a:extLst>
               <a:ext uri="{91240B29-F687-4f45-9708-019B960494DF}">
-                <a14:hiddenLine xmlns:a14="http://schemas.microsoft.com/office/drawing/2010/main" xmlns="" w="9525">
+                <a14:hiddenLine xmlns:a14="http://schemas.microsoft.com/office/drawing/2010/main" w="9525">
                   <a:solidFill>
                     <a:srgbClr val="000000"/>
                   </a:solidFill>
@@ -531,7 +532,7 @@
             </a:ln>
             <a:extLst>
               <a:ext uri="{91240B29-F687-4f45-9708-019B960494DF}">
-                <a14:hiddenLine xmlns:a14="http://schemas.microsoft.com/office/drawing/2010/main" xmlns="" w="9525">
+                <a14:hiddenLine xmlns:a14="http://schemas.microsoft.com/office/drawing/2010/main" w="9525">
                   <a:solidFill>
                     <a:srgbClr val="000000"/>
                   </a:solidFill>
@@ -593,7 +594,7 @@
             </a:ln>
             <a:extLst>
               <a:ext uri="{91240B29-F687-4f45-9708-019B960494DF}">
-                <a14:hiddenLine xmlns:a14="http://schemas.microsoft.com/office/drawing/2010/main" xmlns="" w="9525">
+                <a14:hiddenLine xmlns:a14="http://schemas.microsoft.com/office/drawing/2010/main" w="9525">
                   <a:solidFill>
                     <a:srgbClr val="000000"/>
                   </a:solidFill>
@@ -655,7 +656,7 @@
             </a:ln>
             <a:extLst>
               <a:ext uri="{91240B29-F687-4f45-9708-019B960494DF}">
-                <a14:hiddenLine xmlns:a14="http://schemas.microsoft.com/office/drawing/2010/main" xmlns="" w="9525">
+                <a14:hiddenLine xmlns:a14="http://schemas.microsoft.com/office/drawing/2010/main" w="9525">
                   <a:solidFill>
                     <a:srgbClr val="000000"/>
                   </a:solidFill>
@@ -745,7 +746,7 @@
             </a:ln>
             <a:extLst>
               <a:ext uri="{91240B29-F687-4f45-9708-019B960494DF}">
-                <a14:hiddenLine xmlns:a14="http://schemas.microsoft.com/office/drawing/2010/main" xmlns="" w="9525">
+                <a14:hiddenLine xmlns:a14="http://schemas.microsoft.com/office/drawing/2010/main" w="9525">
                   <a:solidFill>
                     <a:srgbClr val="000000"/>
                   </a:solidFill>
@@ -807,7 +808,7 @@
             </a:ln>
             <a:extLst>
               <a:ext uri="{91240B29-F687-4f45-9708-019B960494DF}">
-                <a14:hiddenLine xmlns:a14="http://schemas.microsoft.com/office/drawing/2010/main" xmlns="" w="9525">
+                <a14:hiddenLine xmlns:a14="http://schemas.microsoft.com/office/drawing/2010/main" w="9525">
                   <a:solidFill>
                     <a:srgbClr val="000000"/>
                   </a:solidFill>
@@ -869,7 +870,7 @@
             </a:ln>
             <a:extLst>
               <a:ext uri="{91240B29-F687-4f45-9708-019B960494DF}">
-                <a14:hiddenLine xmlns:a14="http://schemas.microsoft.com/office/drawing/2010/main" xmlns="" w="9525">
+                <a14:hiddenLine xmlns:a14="http://schemas.microsoft.com/office/drawing/2010/main" w="9525">
                   <a:solidFill>
                     <a:srgbClr val="000000"/>
                   </a:solidFill>
@@ -959,7 +960,7 @@
             </a:ln>
             <a:extLst>
               <a:ext uri="{91240B29-F687-4f45-9708-019B960494DF}">
-                <a14:hiddenLine xmlns:a14="http://schemas.microsoft.com/office/drawing/2010/main" xmlns="" w="9525">
+                <a14:hiddenLine xmlns:a14="http://schemas.microsoft.com/office/drawing/2010/main" w="9525">
                   <a:solidFill>
                     <a:srgbClr val="000000"/>
                   </a:solidFill>
@@ -1049,7 +1050,7 @@
             </a:ln>
             <a:extLst>
               <a:ext uri="{91240B29-F687-4f45-9708-019B960494DF}">
-                <a14:hiddenLine xmlns:a14="http://schemas.microsoft.com/office/drawing/2010/main" xmlns="" w="9525">
+                <a14:hiddenLine xmlns:a14="http://schemas.microsoft.com/office/drawing/2010/main" w="9525">
                   <a:solidFill>
                     <a:srgbClr val="000000"/>
                   </a:solidFill>
@@ -1111,7 +1112,7 @@
             </a:ln>
             <a:extLst>
               <a:ext uri="{91240B29-F687-4f45-9708-019B960494DF}">
-                <a14:hiddenLine xmlns:a14="http://schemas.microsoft.com/office/drawing/2010/main" xmlns="" w="9525">
+                <a14:hiddenLine xmlns:a14="http://schemas.microsoft.com/office/drawing/2010/main" w="9525">
                   <a:solidFill>
                     <a:srgbClr val="000000"/>
                   </a:solidFill>
@@ -1221,7 +1222,7 @@
             </a:ln>
             <a:extLst>
               <a:ext uri="{91240B29-F687-4f45-9708-019B960494DF}">
-                <a14:hiddenLine xmlns:a14="http://schemas.microsoft.com/office/drawing/2010/main" xmlns="" w="9525">
+                <a14:hiddenLine xmlns:a14="http://schemas.microsoft.com/office/drawing/2010/main" w="9525">
                   <a:solidFill>
                     <a:srgbClr val="000000"/>
                   </a:solidFill>
@@ -1283,7 +1284,7 @@
             </a:ln>
             <a:extLst>
               <a:ext uri="{91240B29-F687-4f45-9708-019B960494DF}">
-                <a14:hiddenLine xmlns:a14="http://schemas.microsoft.com/office/drawing/2010/main" xmlns="" w="9525">
+                <a14:hiddenLine xmlns:a14="http://schemas.microsoft.com/office/drawing/2010/main" w="9525">
                   <a:solidFill>
                     <a:srgbClr val="000000"/>
                   </a:solidFill>
@@ -1373,7 +1374,7 @@
             </a:ln>
             <a:extLst>
               <a:ext uri="{91240B29-F687-4f45-9708-019B960494DF}">
-                <a14:hiddenLine xmlns:a14="http://schemas.microsoft.com/office/drawing/2010/main" xmlns="" w="9525">
+                <a14:hiddenLine xmlns:a14="http://schemas.microsoft.com/office/drawing/2010/main" w="9525">
                   <a:solidFill>
                     <a:srgbClr val="000000"/>
                   </a:solidFill>
@@ -1463,7 +1464,7 @@
             </a:ln>
             <a:extLst>
               <a:ext uri="{91240B29-F687-4f45-9708-019B960494DF}">
-                <a14:hiddenLine xmlns:a14="http://schemas.microsoft.com/office/drawing/2010/main" xmlns="" w="9525">
+                <a14:hiddenLine xmlns:a14="http://schemas.microsoft.com/office/drawing/2010/main" w="9525">
                   <a:solidFill>
                     <a:srgbClr val="000000"/>
                   </a:solidFill>
@@ -1525,7 +1526,7 @@
             </a:ln>
             <a:extLst>
               <a:ext uri="{91240B29-F687-4f45-9708-019B960494DF}">
-                <a14:hiddenLine xmlns:a14="http://schemas.microsoft.com/office/drawing/2010/main" xmlns="" w="9525">
+                <a14:hiddenLine xmlns:a14="http://schemas.microsoft.com/office/drawing/2010/main" w="9525">
                   <a:solidFill>
                     <a:srgbClr val="000000"/>
                   </a:solidFill>
@@ -1615,7 +1616,7 @@
             </a:ln>
             <a:extLst>
               <a:ext uri="{91240B29-F687-4f45-9708-019B960494DF}">
-                <a14:hiddenLine xmlns:a14="http://schemas.microsoft.com/office/drawing/2010/main" xmlns="" w="9525">
+                <a14:hiddenLine xmlns:a14="http://schemas.microsoft.com/office/drawing/2010/main" w="9525">
                   <a:solidFill>
                     <a:srgbClr val="000000"/>
                   </a:solidFill>
@@ -1705,7 +1706,7 @@
             </a:ln>
             <a:extLst>
               <a:ext uri="{91240B29-F687-4f45-9708-019B960494DF}">
-                <a14:hiddenLine xmlns:a14="http://schemas.microsoft.com/office/drawing/2010/main" xmlns="" w="9525">
+                <a14:hiddenLine xmlns:a14="http://schemas.microsoft.com/office/drawing/2010/main" w="9525">
                   <a:solidFill>
                     <a:srgbClr val="000000"/>
                   </a:solidFill>
@@ -1761,7 +1762,7 @@
             </a:ln>
             <a:extLst>
               <a:ext uri="{91240B29-F687-4f45-9708-019B960494DF}">
-                <a14:hiddenLine xmlns:a14="http://schemas.microsoft.com/office/drawing/2010/main" xmlns="" w="9525">
+                <a14:hiddenLine xmlns:a14="http://schemas.microsoft.com/office/drawing/2010/main" w="9525">
                   <a:solidFill>
                     <a:srgbClr val="000000"/>
                   </a:solidFill>
@@ -1851,7 +1852,7 @@
             </a:ln>
             <a:extLst>
               <a:ext uri="{91240B29-F687-4f45-9708-019B960494DF}">
-                <a14:hiddenLine xmlns:a14="http://schemas.microsoft.com/office/drawing/2010/main" xmlns="" w="9525">
+                <a14:hiddenLine xmlns:a14="http://schemas.microsoft.com/office/drawing/2010/main" w="9525">
                   <a:solidFill>
                     <a:srgbClr val="000000"/>
                   </a:solidFill>
@@ -1907,7 +1908,7 @@
             </a:ln>
             <a:extLst>
               <a:ext uri="{91240B29-F687-4f45-9708-019B960494DF}">
-                <a14:hiddenLine xmlns:a14="http://schemas.microsoft.com/office/drawing/2010/main" xmlns="" w="9525">
+                <a14:hiddenLine xmlns:a14="http://schemas.microsoft.com/office/drawing/2010/main" w="9525">
                   <a:solidFill>
                     <a:srgbClr val="000000"/>
                   </a:solidFill>
@@ -1997,7 +1998,7 @@
             </a:ln>
             <a:extLst>
               <a:ext uri="{91240B29-F687-4f45-9708-019B960494DF}">
-                <a14:hiddenLine xmlns:a14="http://schemas.microsoft.com/office/drawing/2010/main" xmlns="" w="9525">
+                <a14:hiddenLine xmlns:a14="http://schemas.microsoft.com/office/drawing/2010/main" w="9525">
                   <a:solidFill>
                     <a:srgbClr val="000000"/>
                   </a:solidFill>
@@ -2065,7 +2066,7 @@
             </a:ln>
             <a:extLst>
               <a:ext uri="{91240B29-F687-4f45-9708-019B960494DF}">
-                <a14:hiddenLine xmlns:a14="http://schemas.microsoft.com/office/drawing/2010/main" xmlns="" w="9525">
+                <a14:hiddenLine xmlns:a14="http://schemas.microsoft.com/office/drawing/2010/main" w="9525">
                   <a:solidFill>
                     <a:srgbClr val="000000"/>
                   </a:solidFill>
@@ -2155,7 +2156,7 @@
             </a:ln>
             <a:extLst>
               <a:ext uri="{91240B29-F687-4f45-9708-019B960494DF}">
-                <a14:hiddenLine xmlns:a14="http://schemas.microsoft.com/office/drawing/2010/main" xmlns="" w="9525">
+                <a14:hiddenLine xmlns:a14="http://schemas.microsoft.com/office/drawing/2010/main" w="9525">
                   <a:solidFill>
                     <a:srgbClr val="000000"/>
                   </a:solidFill>
@@ -2223,7 +2224,7 @@
             </a:ln>
             <a:extLst>
               <a:ext uri="{91240B29-F687-4f45-9708-019B960494DF}">
-                <a14:hiddenLine xmlns:a14="http://schemas.microsoft.com/office/drawing/2010/main" xmlns="" w="9525">
+                <a14:hiddenLine xmlns:a14="http://schemas.microsoft.com/office/drawing/2010/main" w="9525">
                   <a:solidFill>
                     <a:srgbClr val="000000"/>
                   </a:solidFill>
@@ -2313,7 +2314,7 @@
             </a:ln>
             <a:extLst>
               <a:ext uri="{91240B29-F687-4f45-9708-019B960494DF}">
-                <a14:hiddenLine xmlns:a14="http://schemas.microsoft.com/office/drawing/2010/main" xmlns="" w="9525">
+                <a14:hiddenLine xmlns:a14="http://schemas.microsoft.com/office/drawing/2010/main" w="9525">
                   <a:solidFill>
                     <a:srgbClr val="000000"/>
                   </a:solidFill>
@@ -2347,7 +2348,7 @@
             </a:ln>
             <a:extLst>
               <a:ext uri="{91240B29-F687-4f45-9708-019B960494DF}">
-                <a14:hiddenLine xmlns:a14="http://schemas.microsoft.com/office/drawing/2010/main" xmlns="" w="9525">
+                <a14:hiddenLine xmlns:a14="http://schemas.microsoft.com/office/drawing/2010/main" w="9525">
                   <a:solidFill>
                     <a:srgbClr val="000000"/>
                   </a:solidFill>
@@ -2437,7 +2438,7 @@
             </a:ln>
             <a:extLst>
               <a:ext uri="{91240B29-F687-4f45-9708-019B960494DF}">
-                <a14:hiddenLine xmlns:a14="http://schemas.microsoft.com/office/drawing/2010/main" xmlns="" w="9525">
+                <a14:hiddenLine xmlns:a14="http://schemas.microsoft.com/office/drawing/2010/main" w="9525">
                   <a:solidFill>
                     <a:srgbClr val="000000"/>
                   </a:solidFill>
@@ -2499,7 +2500,7 @@
             </a:ln>
             <a:extLst>
               <a:ext uri="{91240B29-F687-4f45-9708-019B960494DF}">
-                <a14:hiddenLine xmlns:a14="http://schemas.microsoft.com/office/drawing/2010/main" xmlns="" w="9525">
+                <a14:hiddenLine xmlns:a14="http://schemas.microsoft.com/office/drawing/2010/main" w="9525">
                   <a:solidFill>
                     <a:srgbClr val="000000"/>
                   </a:solidFill>
@@ -2561,7 +2562,7 @@
             </a:ln>
             <a:extLst>
               <a:ext uri="{91240B29-F687-4f45-9708-019B960494DF}">
-                <a14:hiddenLine xmlns:a14="http://schemas.microsoft.com/office/drawing/2010/main" xmlns="" w="9525">
+                <a14:hiddenLine xmlns:a14="http://schemas.microsoft.com/office/drawing/2010/main" w="9525">
                   <a:solidFill>
                     <a:srgbClr val="000000"/>
                   </a:solidFill>
@@ -2651,7 +2652,7 @@
             </a:ln>
             <a:extLst>
               <a:ext uri="{91240B29-F687-4f45-9708-019B960494DF}">
-                <a14:hiddenLine xmlns:a14="http://schemas.microsoft.com/office/drawing/2010/main" xmlns="" w="9525">
+                <a14:hiddenLine xmlns:a14="http://schemas.microsoft.com/office/drawing/2010/main" w="9525">
                   <a:solidFill>
                     <a:srgbClr val="000000"/>
                   </a:solidFill>
@@ -2719,7 +2720,7 @@
             </a:ln>
             <a:extLst>
               <a:ext uri="{91240B29-F687-4f45-9708-019B960494DF}">
-                <a14:hiddenLine xmlns:a14="http://schemas.microsoft.com/office/drawing/2010/main" xmlns="" w="9525">
+                <a14:hiddenLine xmlns:a14="http://schemas.microsoft.com/office/drawing/2010/main" w="9525">
                   <a:solidFill>
                     <a:srgbClr val="000000"/>
                   </a:solidFill>
@@ -2781,7 +2782,7 @@
             </a:ln>
             <a:extLst>
               <a:ext uri="{91240B29-F687-4f45-9708-019B960494DF}">
-                <a14:hiddenLine xmlns:a14="http://schemas.microsoft.com/office/drawing/2010/main" xmlns="" w="9525">
+                <a14:hiddenLine xmlns:a14="http://schemas.microsoft.com/office/drawing/2010/main" w="9525">
                   <a:solidFill>
                     <a:srgbClr val="000000"/>
                   </a:solidFill>
@@ -2871,7 +2872,7 @@
             </a:ln>
             <a:extLst>
               <a:ext uri="{91240B29-F687-4f45-9708-019B960494DF}">
-                <a14:hiddenLine xmlns:a14="http://schemas.microsoft.com/office/drawing/2010/main" xmlns="" w="9525">
+                <a14:hiddenLine xmlns:a14="http://schemas.microsoft.com/office/drawing/2010/main" w="9525">
                   <a:solidFill>
                     <a:srgbClr val="000000"/>
                   </a:solidFill>
@@ -2933,7 +2934,7 @@
             </a:ln>
             <a:extLst>
               <a:ext uri="{91240B29-F687-4f45-9708-019B960494DF}">
-                <a14:hiddenLine xmlns:a14="http://schemas.microsoft.com/office/drawing/2010/main" xmlns="" w="9525">
+                <a14:hiddenLine xmlns:a14="http://schemas.microsoft.com/office/drawing/2010/main" w="9525">
                   <a:solidFill>
                     <a:srgbClr val="000000"/>
                   </a:solidFill>
@@ -3023,7 +3024,7 @@
             </a:ln>
             <a:extLst>
               <a:ext uri="{91240B29-F687-4f45-9708-019B960494DF}">
-                <a14:hiddenLine xmlns:a14="http://schemas.microsoft.com/office/drawing/2010/main" xmlns="" w="9525">
+                <a14:hiddenLine xmlns:a14="http://schemas.microsoft.com/office/drawing/2010/main" w="9525">
                   <a:solidFill>
                     <a:srgbClr val="000000"/>
                   </a:solidFill>
@@ -3085,7 +3086,7 @@
             </a:ln>
             <a:extLst>
               <a:ext uri="{91240B29-F687-4f45-9708-019B960494DF}">
-                <a14:hiddenLine xmlns:a14="http://schemas.microsoft.com/office/drawing/2010/main" xmlns="" w="9525">
+                <a14:hiddenLine xmlns:a14="http://schemas.microsoft.com/office/drawing/2010/main" w="9525">
                   <a:solidFill>
                     <a:srgbClr val="000000"/>
                   </a:solidFill>
@@ -3175,7 +3176,7 @@
             </a:ln>
             <a:extLst>
               <a:ext uri="{91240B29-F687-4f45-9708-019B960494DF}">
-                <a14:hiddenLine xmlns:a14="http://schemas.microsoft.com/office/drawing/2010/main" xmlns="" w="9525">
+                <a14:hiddenLine xmlns:a14="http://schemas.microsoft.com/office/drawing/2010/main" w="9525">
                   <a:solidFill>
                     <a:srgbClr val="000000"/>
                   </a:solidFill>
@@ -3209,7 +3210,7 @@
             </a:ln>
             <a:extLst>
               <a:ext uri="{91240B29-F687-4f45-9708-019B960494DF}">
-                <a14:hiddenLine xmlns:a14="http://schemas.microsoft.com/office/drawing/2010/main" xmlns="" w="9525">
+                <a14:hiddenLine xmlns:a14="http://schemas.microsoft.com/office/drawing/2010/main" w="9525">
                   <a:solidFill>
                     <a:srgbClr val="000000"/>
                   </a:solidFill>
@@ -3274,7 +3275,7 @@
             </a:ln>
             <a:extLst>
               <a:ext uri="{91240B29-F687-4f45-9708-019B960494DF}">
-                <a14:hiddenLine xmlns:a14="http://schemas.microsoft.com/office/drawing/2010/main" xmlns="" w="9525">
+                <a14:hiddenLine xmlns:a14="http://schemas.microsoft.com/office/drawing/2010/main" w="9525">
                   <a:solidFill>
                     <a:srgbClr val="000000"/>
                   </a:solidFill>
@@ -3364,7 +3365,7 @@
             </a:ln>
             <a:extLst>
               <a:ext uri="{91240B29-F687-4f45-9708-019B960494DF}">
-                <a14:hiddenLine xmlns:a14="http://schemas.microsoft.com/office/drawing/2010/main" xmlns="" w="9525">
+                <a14:hiddenLine xmlns:a14="http://schemas.microsoft.com/office/drawing/2010/main" w="9525">
                   <a:solidFill>
                     <a:srgbClr val="000000"/>
                   </a:solidFill>
@@ -3426,7 +3427,7 @@
             </a:ln>
             <a:extLst>
               <a:ext uri="{91240B29-F687-4f45-9708-019B960494DF}">
-                <a14:hiddenLine xmlns:a14="http://schemas.microsoft.com/office/drawing/2010/main" xmlns="" w="9525">
+                <a14:hiddenLine xmlns:a14="http://schemas.microsoft.com/office/drawing/2010/main" w="9525">
                   <a:solidFill>
                     <a:srgbClr val="000000"/>
                   </a:solidFill>
@@ -3516,7 +3517,7 @@
             </a:ln>
             <a:extLst>
               <a:ext uri="{91240B29-F687-4f45-9708-019B960494DF}">
-                <a14:hiddenLine xmlns:a14="http://schemas.microsoft.com/office/drawing/2010/main" xmlns="" w="9525">
+                <a14:hiddenLine xmlns:a14="http://schemas.microsoft.com/office/drawing/2010/main" w="9525">
                   <a:solidFill>
                     <a:srgbClr val="000000"/>
                   </a:solidFill>
@@ -3606,7 +3607,7 @@
             </a:ln>
             <a:extLst>
               <a:ext uri="{91240B29-F687-4f45-9708-019B960494DF}">
-                <a14:hiddenLine xmlns:a14="http://schemas.microsoft.com/office/drawing/2010/main" xmlns="" w="9525">
+                <a14:hiddenLine xmlns:a14="http://schemas.microsoft.com/office/drawing/2010/main" w="9525">
                   <a:solidFill>
                     <a:srgbClr val="000000"/>
                   </a:solidFill>
@@ -3671,7 +3672,7 @@
             </a:ln>
             <a:extLst>
               <a:ext uri="{91240B29-F687-4f45-9708-019B960494DF}">
-                <a14:hiddenLine xmlns:a14="http://schemas.microsoft.com/office/drawing/2010/main" xmlns="" w="9525">
+                <a14:hiddenLine xmlns:a14="http://schemas.microsoft.com/office/drawing/2010/main" w="9525">
                   <a:solidFill>
                     <a:srgbClr val="000000"/>
                   </a:solidFill>
@@ -3733,7 +3734,7 @@
             </a:ln>
             <a:extLst>
               <a:ext uri="{91240B29-F687-4f45-9708-019B960494DF}">
-                <a14:hiddenLine xmlns:a14="http://schemas.microsoft.com/office/drawing/2010/main" xmlns="" w="9525">
+                <a14:hiddenLine xmlns:a14="http://schemas.microsoft.com/office/drawing/2010/main" w="9525">
                   <a:solidFill>
                     <a:srgbClr val="000000"/>
                   </a:solidFill>
@@ -3823,7 +3824,7 @@
             </a:ln>
             <a:extLst>
               <a:ext uri="{91240B29-F687-4f45-9708-019B960494DF}">
-                <a14:hiddenLine xmlns:a14="http://schemas.microsoft.com/office/drawing/2010/main" xmlns="" w="9525">
+                <a14:hiddenLine xmlns:a14="http://schemas.microsoft.com/office/drawing/2010/main" w="9525">
                   <a:solidFill>
                     <a:srgbClr val="000000"/>
                   </a:solidFill>
@@ -3913,7 +3914,7 @@
             </a:ln>
             <a:extLst>
               <a:ext uri="{91240B29-F687-4f45-9708-019B960494DF}">
-                <a14:hiddenLine xmlns:a14="http://schemas.microsoft.com/office/drawing/2010/main" xmlns="" w="9525">
+                <a14:hiddenLine xmlns:a14="http://schemas.microsoft.com/office/drawing/2010/main" w="9525">
                   <a:solidFill>
                     <a:srgbClr val="000000"/>
                   </a:solidFill>
@@ -3975,7 +3976,7 @@
             </a:ln>
             <a:extLst>
               <a:ext uri="{91240B29-F687-4f45-9708-019B960494DF}">
-                <a14:hiddenLine xmlns:a14="http://schemas.microsoft.com/office/drawing/2010/main" xmlns="" w="9525">
+                <a14:hiddenLine xmlns:a14="http://schemas.microsoft.com/office/drawing/2010/main" w="9525">
                   <a:solidFill>
                     <a:srgbClr val="000000"/>
                   </a:solidFill>
@@ -4095,7 +4096,7 @@
             </a:ln>
             <a:extLst>
               <a:ext uri="{91240B29-F687-4f45-9708-019B960494DF}">
-                <a14:hiddenLine xmlns:a14="http://schemas.microsoft.com/office/drawing/2010/main" xmlns="" w="9525">
+                <a14:hiddenLine xmlns:a14="http://schemas.microsoft.com/office/drawing/2010/main" w="9525">
                   <a:solidFill>
                     <a:srgbClr val="000000"/>
                   </a:solidFill>
@@ -4163,7 +4164,7 @@
             </a:ln>
             <a:extLst>
               <a:ext uri="{91240B29-F687-4f45-9708-019B960494DF}">
-                <a14:hiddenLine xmlns:a14="http://schemas.microsoft.com/office/drawing/2010/main" xmlns="" w="9525">
+                <a14:hiddenLine xmlns:a14="http://schemas.microsoft.com/office/drawing/2010/main" w="9525">
                   <a:solidFill>
                     <a:srgbClr val="000000"/>
                   </a:solidFill>
@@ -4253,7 +4254,7 @@
             </a:ln>
             <a:extLst>
               <a:ext uri="{91240B29-F687-4f45-9708-019B960494DF}">
-                <a14:hiddenLine xmlns:a14="http://schemas.microsoft.com/office/drawing/2010/main" xmlns="" w="9525">
+                <a14:hiddenLine xmlns:a14="http://schemas.microsoft.com/office/drawing/2010/main" w="9525">
                   <a:solidFill>
                     <a:srgbClr val="000000"/>
                   </a:solidFill>
@@ -4393,7 +4394,7 @@
           <a:p>
             <a:fld id="{48A87A34-81AB-432B-8DAE-1953F412C126}" type="datetimeFigureOut">
               <a:rPr lang="en-US" dirty="0"/>
-              <a:t>3/9/2016</a:t>
+              <a:t>3/9/16</a:t>
             </a:fld>
             <a:endParaRPr lang="en-US" dirty="0"/>
           </a:p>
@@ -4655,7 +4656,7 @@
           <a:p>
             <a:fld id="{48A87A34-81AB-432B-8DAE-1953F412C126}" type="datetimeFigureOut">
               <a:rPr lang="en-US" dirty="0"/>
-              <a:t>3/9/2016</a:t>
+              <a:t>3/9/16</a:t>
             </a:fld>
             <a:endParaRPr lang="en-US" dirty="0"/>
           </a:p>
@@ -4846,7 +4847,7 @@
           <a:p>
             <a:fld id="{48A87A34-81AB-432B-8DAE-1953F412C126}" type="datetimeFigureOut">
               <a:rPr lang="en-US" dirty="0"/>
-              <a:t>3/9/2016</a:t>
+              <a:t>3/9/16</a:t>
             </a:fld>
             <a:endParaRPr lang="en-US" dirty="0"/>
           </a:p>
@@ -5104,7 +5105,7 @@
           <a:p>
             <a:fld id="{48A87A34-81AB-432B-8DAE-1953F412C126}" type="datetimeFigureOut">
               <a:rPr lang="en-US" dirty="0"/>
-              <a:t>3/9/2016</a:t>
+              <a:t>3/9/16</a:t>
             </a:fld>
             <a:endParaRPr lang="en-US" dirty="0"/>
           </a:p>
@@ -5533,7 +5534,7 @@
           <a:p>
             <a:fld id="{48A87A34-81AB-432B-8DAE-1953F412C126}" type="datetimeFigureOut">
               <a:rPr lang="en-US" dirty="0"/>
-              <a:t>3/9/2016</a:t>
+              <a:t>3/9/16</a:t>
             </a:fld>
             <a:endParaRPr lang="en-US" dirty="0"/>
           </a:p>
@@ -6074,7 +6075,7 @@
           <a:p>
             <a:fld id="{48A87A34-81AB-432B-8DAE-1953F412C126}" type="datetimeFigureOut">
               <a:rPr lang="en-US" dirty="0"/>
-              <a:t>3/9/2016</a:t>
+              <a:t>3/9/16</a:t>
             </a:fld>
             <a:endParaRPr lang="en-US" dirty="0"/>
           </a:p>
@@ -6789,7 +6790,7 @@
           <a:p>
             <a:fld id="{48A87A34-81AB-432B-8DAE-1953F412C126}" type="datetimeFigureOut">
               <a:rPr lang="en-US" dirty="0"/>
-              <a:t>3/9/2016</a:t>
+              <a:t>3/9/16</a:t>
             </a:fld>
             <a:endParaRPr lang="en-US" dirty="0"/>
           </a:p>
@@ -6954,7 +6955,7 @@
           <a:p>
             <a:fld id="{48A87A34-81AB-432B-8DAE-1953F412C126}" type="datetimeFigureOut">
               <a:rPr lang="en-US" dirty="0"/>
-              <a:t>3/9/2016</a:t>
+              <a:t>3/9/16</a:t>
             </a:fld>
             <a:endParaRPr lang="en-US" dirty="0"/>
           </a:p>
@@ -7129,7 +7130,7 @@
           <a:p>
             <a:fld id="{48A87A34-81AB-432B-8DAE-1953F412C126}" type="datetimeFigureOut">
               <a:rPr lang="en-US" dirty="0"/>
-              <a:t>3/9/2016</a:t>
+              <a:t>3/9/16</a:t>
             </a:fld>
             <a:endParaRPr lang="en-US" dirty="0"/>
           </a:p>
@@ -7294,7 +7295,7 @@
           <a:p>
             <a:fld id="{48A87A34-81AB-432B-8DAE-1953F412C126}" type="datetimeFigureOut">
               <a:rPr lang="en-US" dirty="0"/>
-              <a:t>3/9/2016</a:t>
+              <a:t>3/9/16</a:t>
             </a:fld>
             <a:endParaRPr lang="en-US" dirty="0"/>
           </a:p>
@@ -7539,7 +7540,7 @@
           <a:p>
             <a:fld id="{48A87A34-81AB-432B-8DAE-1953F412C126}" type="datetimeFigureOut">
               <a:rPr lang="en-US" dirty="0"/>
-              <a:t>3/9/2016</a:t>
+              <a:t>3/9/16</a:t>
             </a:fld>
             <a:endParaRPr lang="en-US" dirty="0"/>
           </a:p>
@@ -7766,7 +7767,7 @@
           <a:p>
             <a:fld id="{48A87A34-81AB-432B-8DAE-1953F412C126}" type="datetimeFigureOut">
               <a:rPr lang="en-US" dirty="0"/>
-              <a:t>3/9/2016</a:t>
+              <a:t>3/9/16</a:t>
             </a:fld>
             <a:endParaRPr lang="en-US" dirty="0"/>
           </a:p>
@@ -8142,7 +8143,7 @@
           <a:p>
             <a:fld id="{48A87A34-81AB-432B-8DAE-1953F412C126}" type="datetimeFigureOut">
               <a:rPr lang="en-US" dirty="0"/>
-              <a:t>3/9/2016</a:t>
+              <a:t>3/9/16</a:t>
             </a:fld>
             <a:endParaRPr lang="en-US" dirty="0"/>
           </a:p>
@@ -8255,7 +8256,7 @@
           <a:p>
             <a:fld id="{48A87A34-81AB-432B-8DAE-1953F412C126}" type="datetimeFigureOut">
               <a:rPr lang="en-US" dirty="0"/>
-              <a:t>3/9/2016</a:t>
+              <a:t>3/9/16</a:t>
             </a:fld>
             <a:endParaRPr lang="en-US" dirty="0"/>
           </a:p>
@@ -8345,7 +8346,7 @@
           <a:p>
             <a:fld id="{48A87A34-81AB-432B-8DAE-1953F412C126}" type="datetimeFigureOut">
               <a:rPr lang="en-US" dirty="0"/>
-              <a:t>3/9/2016</a:t>
+              <a:t>3/9/16</a:t>
             </a:fld>
             <a:endParaRPr lang="en-US" dirty="0"/>
           </a:p>
@@ -8589,7 +8590,7 @@
           <a:p>
             <a:fld id="{48A87A34-81AB-432B-8DAE-1953F412C126}" type="datetimeFigureOut">
               <a:rPr lang="en-US" dirty="0"/>
-              <a:t>3/9/2016</a:t>
+              <a:t>3/9/16</a:t>
             </a:fld>
             <a:endParaRPr lang="en-US" dirty="0"/>
           </a:p>
@@ -8864,7 +8865,7 @@
           <a:p>
             <a:fld id="{48A87A34-81AB-432B-8DAE-1953F412C126}" type="datetimeFigureOut">
               <a:rPr lang="en-US" dirty="0"/>
-              <a:t>3/9/2016</a:t>
+              <a:t>3/9/16</a:t>
             </a:fld>
             <a:endParaRPr lang="en-US" dirty="0"/>
           </a:p>
@@ -8982,7 +8983,7 @@
           <a:noFill/>
           <a:extLst>
             <a:ext uri="{909E8E84-426E-40dd-AFC4-6F175D3DCCD1}">
-              <a14:hiddenFill xmlns:a14="http://schemas.microsoft.com/office/drawing/2010/main" xmlns="">
+              <a14:hiddenFill xmlns:a14="http://schemas.microsoft.com/office/drawing/2010/main">
                 <a:solidFill>
                   <a:srgbClr val="FFFFFF"/>
                 </a:solidFill>
@@ -9056,7 +9057,7 @@
               </a:ln>
               <a:extLst>
                 <a:ext uri="{91240B29-F687-4f45-9708-019B960494DF}">
-                  <a14:hiddenLine xmlns:a14="http://schemas.microsoft.com/office/drawing/2010/main" xmlns="" w="9525">
+                  <a14:hiddenLine xmlns:a14="http://schemas.microsoft.com/office/drawing/2010/main" w="9525">
                     <a:solidFill>
                       <a:srgbClr val="000000"/>
                     </a:solidFill>
@@ -9146,7 +9147,7 @@
               </a:ln>
               <a:extLst>
                 <a:ext uri="{91240B29-F687-4f45-9708-019B960494DF}">
-                  <a14:hiddenLine xmlns:a14="http://schemas.microsoft.com/office/drawing/2010/main" xmlns="" w="9525">
+                  <a14:hiddenLine xmlns:a14="http://schemas.microsoft.com/office/drawing/2010/main" w="9525">
                     <a:solidFill>
                       <a:srgbClr val="000000"/>
                     </a:solidFill>
@@ -9236,7 +9237,7 @@
               </a:ln>
               <a:extLst>
                 <a:ext uri="{91240B29-F687-4f45-9708-019B960494DF}">
-                  <a14:hiddenLine xmlns:a14="http://schemas.microsoft.com/office/drawing/2010/main" xmlns="" w="9525">
+                  <a14:hiddenLine xmlns:a14="http://schemas.microsoft.com/office/drawing/2010/main" w="9525">
                     <a:solidFill>
                       <a:srgbClr val="000000"/>
                     </a:solidFill>
@@ -9298,7 +9299,7 @@
               </a:ln>
               <a:extLst>
                 <a:ext uri="{91240B29-F687-4f45-9708-019B960494DF}">
-                  <a14:hiddenLine xmlns:a14="http://schemas.microsoft.com/office/drawing/2010/main" xmlns="" w="9525">
+                  <a14:hiddenLine xmlns:a14="http://schemas.microsoft.com/office/drawing/2010/main" w="9525">
                     <a:solidFill>
                       <a:srgbClr val="000000"/>
                     </a:solidFill>
@@ -9388,7 +9389,7 @@
               </a:ln>
               <a:extLst>
                 <a:ext uri="{91240B29-F687-4f45-9708-019B960494DF}">
-                  <a14:hiddenLine xmlns:a14="http://schemas.microsoft.com/office/drawing/2010/main" xmlns="" w="9525">
+                  <a14:hiddenLine xmlns:a14="http://schemas.microsoft.com/office/drawing/2010/main" w="9525">
                     <a:solidFill>
                       <a:srgbClr val="000000"/>
                     </a:solidFill>
@@ -9450,7 +9451,7 @@
               </a:ln>
               <a:extLst>
                 <a:ext uri="{91240B29-F687-4f45-9708-019B960494DF}">
-                  <a14:hiddenLine xmlns:a14="http://schemas.microsoft.com/office/drawing/2010/main" xmlns="" w="9525">
+                  <a14:hiddenLine xmlns:a14="http://schemas.microsoft.com/office/drawing/2010/main" w="9525">
                     <a:solidFill>
                       <a:srgbClr val="000000"/>
                     </a:solidFill>
@@ -9512,7 +9513,7 @@
               </a:ln>
               <a:extLst>
                 <a:ext uri="{91240B29-F687-4f45-9708-019B960494DF}">
-                  <a14:hiddenLine xmlns:a14="http://schemas.microsoft.com/office/drawing/2010/main" xmlns="" w="9525">
+                  <a14:hiddenLine xmlns:a14="http://schemas.microsoft.com/office/drawing/2010/main" w="9525">
                     <a:solidFill>
                       <a:srgbClr val="000000"/>
                     </a:solidFill>
@@ -9602,7 +9603,7 @@
               </a:ln>
               <a:extLst>
                 <a:ext uri="{91240B29-F687-4f45-9708-019B960494DF}">
-                  <a14:hiddenLine xmlns:a14="http://schemas.microsoft.com/office/drawing/2010/main" xmlns="" w="9525">
+                  <a14:hiddenLine xmlns:a14="http://schemas.microsoft.com/office/drawing/2010/main" w="9525">
                     <a:solidFill>
                       <a:srgbClr val="000000"/>
                     </a:solidFill>
@@ -9692,7 +9693,7 @@
               </a:ln>
               <a:extLst>
                 <a:ext uri="{91240B29-F687-4f45-9708-019B960494DF}">
-                  <a14:hiddenLine xmlns:a14="http://schemas.microsoft.com/office/drawing/2010/main" xmlns="" w="9525">
+                  <a14:hiddenLine xmlns:a14="http://schemas.microsoft.com/office/drawing/2010/main" w="9525">
                     <a:solidFill>
                       <a:srgbClr val="000000"/>
                     </a:solidFill>
@@ -9754,7 +9755,7 @@
               </a:ln>
               <a:extLst>
                 <a:ext uri="{91240B29-F687-4f45-9708-019B960494DF}">
-                  <a14:hiddenLine xmlns:a14="http://schemas.microsoft.com/office/drawing/2010/main" xmlns="" w="9525">
+                  <a14:hiddenLine xmlns:a14="http://schemas.microsoft.com/office/drawing/2010/main" w="9525">
                     <a:solidFill>
                       <a:srgbClr val="000000"/>
                     </a:solidFill>
@@ -9864,7 +9865,7 @@
               </a:ln>
               <a:extLst>
                 <a:ext uri="{91240B29-F687-4f45-9708-019B960494DF}">
-                  <a14:hiddenLine xmlns:a14="http://schemas.microsoft.com/office/drawing/2010/main" xmlns="" w="9525">
+                  <a14:hiddenLine xmlns:a14="http://schemas.microsoft.com/office/drawing/2010/main" w="9525">
                     <a:solidFill>
                       <a:srgbClr val="000000"/>
                     </a:solidFill>
@@ -9948,7 +9949,7 @@
               </a:ln>
               <a:extLst>
                 <a:ext uri="{91240B29-F687-4f45-9708-019B960494DF}">
-                  <a14:hiddenLine xmlns:a14="http://schemas.microsoft.com/office/drawing/2010/main" xmlns="" w="9525">
+                  <a14:hiddenLine xmlns:a14="http://schemas.microsoft.com/office/drawing/2010/main" w="9525">
                     <a:solidFill>
                       <a:srgbClr val="000000"/>
                     </a:solidFill>
@@ -10010,7 +10011,7 @@
               </a:ln>
               <a:extLst>
                 <a:ext uri="{91240B29-F687-4f45-9708-019B960494DF}">
-                  <a14:hiddenLine xmlns:a14="http://schemas.microsoft.com/office/drawing/2010/main" xmlns="" w="9525">
+                  <a14:hiddenLine xmlns:a14="http://schemas.microsoft.com/office/drawing/2010/main" w="9525">
                     <a:solidFill>
                       <a:srgbClr val="000000"/>
                     </a:solidFill>
@@ -10072,7 +10073,7 @@
               </a:ln>
               <a:extLst>
                 <a:ext uri="{91240B29-F687-4f45-9708-019B960494DF}">
-                  <a14:hiddenLine xmlns:a14="http://schemas.microsoft.com/office/drawing/2010/main" xmlns="" w="9525">
+                  <a14:hiddenLine xmlns:a14="http://schemas.microsoft.com/office/drawing/2010/main" w="9525">
                     <a:solidFill>
                       <a:srgbClr val="000000"/>
                     </a:solidFill>
@@ -10162,7 +10163,7 @@
               </a:ln>
               <a:extLst>
                 <a:ext uri="{91240B29-F687-4f45-9708-019B960494DF}">
-                  <a14:hiddenLine xmlns:a14="http://schemas.microsoft.com/office/drawing/2010/main" xmlns="" w="9525">
+                  <a14:hiddenLine xmlns:a14="http://schemas.microsoft.com/office/drawing/2010/main" w="9525">
                     <a:solidFill>
                       <a:srgbClr val="000000"/>
                     </a:solidFill>
@@ -10196,7 +10197,7 @@
               </a:ln>
               <a:extLst>
                 <a:ext uri="{91240B29-F687-4f45-9708-019B960494DF}">
-                  <a14:hiddenLine xmlns:a14="http://schemas.microsoft.com/office/drawing/2010/main" xmlns="" w="9525">
+                  <a14:hiddenLine xmlns:a14="http://schemas.microsoft.com/office/drawing/2010/main" w="9525">
                     <a:solidFill>
                       <a:srgbClr val="000000"/>
                     </a:solidFill>
@@ -10261,7 +10262,7 @@
               </a:ln>
               <a:extLst>
                 <a:ext uri="{91240B29-F687-4f45-9708-019B960494DF}">
-                  <a14:hiddenLine xmlns:a14="http://schemas.microsoft.com/office/drawing/2010/main" xmlns="" w="9525">
+                  <a14:hiddenLine xmlns:a14="http://schemas.microsoft.com/office/drawing/2010/main" w="9525">
                     <a:solidFill>
                       <a:srgbClr val="000000"/>
                     </a:solidFill>
@@ -10351,7 +10352,7 @@
               </a:ln>
               <a:extLst>
                 <a:ext uri="{91240B29-F687-4f45-9708-019B960494DF}">
-                  <a14:hiddenLine xmlns:a14="http://schemas.microsoft.com/office/drawing/2010/main" xmlns="" w="9525">
+                  <a14:hiddenLine xmlns:a14="http://schemas.microsoft.com/office/drawing/2010/main" w="9525">
                     <a:solidFill>
                       <a:srgbClr val="000000"/>
                     </a:solidFill>
@@ -10413,7 +10414,7 @@
               </a:ln>
               <a:extLst>
                 <a:ext uri="{91240B29-F687-4f45-9708-019B960494DF}">
-                  <a14:hiddenLine xmlns:a14="http://schemas.microsoft.com/office/drawing/2010/main" xmlns="" w="9525">
+                  <a14:hiddenLine xmlns:a14="http://schemas.microsoft.com/office/drawing/2010/main" w="9525">
                     <a:solidFill>
                       <a:srgbClr val="000000"/>
                     </a:solidFill>
@@ -10503,7 +10504,7 @@
               </a:ln>
               <a:extLst>
                 <a:ext uri="{91240B29-F687-4f45-9708-019B960494DF}">
-                  <a14:hiddenLine xmlns:a14="http://schemas.microsoft.com/office/drawing/2010/main" xmlns="" w="9525">
+                  <a14:hiddenLine xmlns:a14="http://schemas.microsoft.com/office/drawing/2010/main" w="9525">
                     <a:solidFill>
                       <a:srgbClr val="000000"/>
                     </a:solidFill>
@@ -10568,7 +10569,7 @@
               </a:ln>
               <a:extLst>
                 <a:ext uri="{91240B29-F687-4f45-9708-019B960494DF}">
-                  <a14:hiddenLine xmlns:a14="http://schemas.microsoft.com/office/drawing/2010/main" xmlns="" w="9525">
+                  <a14:hiddenLine xmlns:a14="http://schemas.microsoft.com/office/drawing/2010/main" w="9525">
                     <a:solidFill>
                       <a:srgbClr val="000000"/>
                     </a:solidFill>
@@ -10630,7 +10631,7 @@
               </a:ln>
               <a:extLst>
                 <a:ext uri="{91240B29-F687-4f45-9708-019B960494DF}">
-                  <a14:hiddenLine xmlns:a14="http://schemas.microsoft.com/office/drawing/2010/main" xmlns="" w="9525">
+                  <a14:hiddenLine xmlns:a14="http://schemas.microsoft.com/office/drawing/2010/main" w="9525">
                     <a:solidFill>
                       <a:srgbClr val="000000"/>
                     </a:solidFill>
@@ -10720,7 +10721,7 @@
               </a:ln>
               <a:extLst>
                 <a:ext uri="{91240B29-F687-4f45-9708-019B960494DF}">
-                  <a14:hiddenLine xmlns:a14="http://schemas.microsoft.com/office/drawing/2010/main" xmlns="" w="9525">
+                  <a14:hiddenLine xmlns:a14="http://schemas.microsoft.com/office/drawing/2010/main" w="9525">
                     <a:solidFill>
                       <a:srgbClr val="000000"/>
                     </a:solidFill>
@@ -10810,7 +10811,7 @@
               </a:ln>
               <a:extLst>
                 <a:ext uri="{91240B29-F687-4f45-9708-019B960494DF}">
-                  <a14:hiddenLine xmlns:a14="http://schemas.microsoft.com/office/drawing/2010/main" xmlns="" w="9525">
+                  <a14:hiddenLine xmlns:a14="http://schemas.microsoft.com/office/drawing/2010/main" w="9525">
                     <a:solidFill>
                       <a:srgbClr val="000000"/>
                     </a:solidFill>
@@ -10875,7 +10876,7 @@
               </a:ln>
               <a:extLst>
                 <a:ext uri="{91240B29-F687-4f45-9708-019B960494DF}">
-                  <a14:hiddenLine xmlns:a14="http://schemas.microsoft.com/office/drawing/2010/main" xmlns="" w="9525">
+                  <a14:hiddenLine xmlns:a14="http://schemas.microsoft.com/office/drawing/2010/main" w="9525">
                     <a:solidFill>
                       <a:srgbClr val="000000"/>
                     </a:solidFill>
@@ -10995,7 +10996,7 @@
               </a:ln>
               <a:extLst>
                 <a:ext uri="{91240B29-F687-4f45-9708-019B960494DF}">
-                  <a14:hiddenLine xmlns:a14="http://schemas.microsoft.com/office/drawing/2010/main" xmlns="" w="9525">
+                  <a14:hiddenLine xmlns:a14="http://schemas.microsoft.com/office/drawing/2010/main" w="9525">
                     <a:solidFill>
                       <a:srgbClr val="000000"/>
                     </a:solidFill>
@@ -11076,7 +11077,7 @@
               </a:ln>
               <a:extLst>
                 <a:ext uri="{91240B29-F687-4f45-9708-019B960494DF}">
-                  <a14:hiddenLine xmlns:a14="http://schemas.microsoft.com/office/drawing/2010/main" xmlns="" w="9525">
+                  <a14:hiddenLine xmlns:a14="http://schemas.microsoft.com/office/drawing/2010/main" w="9525">
                     <a:solidFill>
                       <a:srgbClr val="000000"/>
                     </a:solidFill>
@@ -11191,7 +11192,7 @@
               </a:ln>
               <a:extLst>
                 <a:ext uri="{91240B29-F687-4f45-9708-019B960494DF}">
-                  <a14:hiddenLine xmlns:a14="http://schemas.microsoft.com/office/drawing/2010/main" xmlns="" w="9525">
+                  <a14:hiddenLine xmlns:a14="http://schemas.microsoft.com/office/drawing/2010/main" w="9525">
                     <a:solidFill>
                       <a:srgbClr val="000000"/>
                     </a:solidFill>
@@ -11281,7 +11282,7 @@
               </a:ln>
               <a:extLst>
                 <a:ext uri="{91240B29-F687-4f45-9708-019B960494DF}">
-                  <a14:hiddenLine xmlns:a14="http://schemas.microsoft.com/office/drawing/2010/main" xmlns="" w="9525">
+                  <a14:hiddenLine xmlns:a14="http://schemas.microsoft.com/office/drawing/2010/main" w="9525">
                     <a:solidFill>
                       <a:srgbClr val="000000"/>
                     </a:solidFill>
@@ -11346,7 +11347,7 @@
               </a:ln>
               <a:extLst>
                 <a:ext uri="{91240B29-F687-4f45-9708-019B960494DF}">
-                  <a14:hiddenLine xmlns:a14="http://schemas.microsoft.com/office/drawing/2010/main" xmlns="" w="9525">
+                  <a14:hiddenLine xmlns:a14="http://schemas.microsoft.com/office/drawing/2010/main" w="9525">
                     <a:solidFill>
                       <a:srgbClr val="000000"/>
                     </a:solidFill>
@@ -11436,7 +11437,7 @@
               </a:ln>
               <a:extLst>
                 <a:ext uri="{91240B29-F687-4f45-9708-019B960494DF}">
-                  <a14:hiddenLine xmlns:a14="http://schemas.microsoft.com/office/drawing/2010/main" xmlns="" w="9525">
+                  <a14:hiddenLine xmlns:a14="http://schemas.microsoft.com/office/drawing/2010/main" w="9525">
                     <a:solidFill>
                       <a:srgbClr val="000000"/>
                     </a:solidFill>
@@ -11504,7 +11505,7 @@
               </a:ln>
               <a:extLst>
                 <a:ext uri="{91240B29-F687-4f45-9708-019B960494DF}">
-                  <a14:hiddenLine xmlns:a14="http://schemas.microsoft.com/office/drawing/2010/main" xmlns="" w="9525">
+                  <a14:hiddenLine xmlns:a14="http://schemas.microsoft.com/office/drawing/2010/main" w="9525">
                     <a:solidFill>
                       <a:srgbClr val="000000"/>
                     </a:solidFill>
@@ -11594,7 +11595,7 @@
               </a:ln>
               <a:extLst>
                 <a:ext uri="{91240B29-F687-4f45-9708-019B960494DF}">
-                  <a14:hiddenLine xmlns:a14="http://schemas.microsoft.com/office/drawing/2010/main" xmlns="" w="9525">
+                  <a14:hiddenLine xmlns:a14="http://schemas.microsoft.com/office/drawing/2010/main" w="9525">
                     <a:solidFill>
                       <a:srgbClr val="000000"/>
                     </a:solidFill>
@@ -11662,7 +11663,7 @@
               </a:ln>
               <a:extLst>
                 <a:ext uri="{91240B29-F687-4f45-9708-019B960494DF}">
-                  <a14:hiddenLine xmlns:a14="http://schemas.microsoft.com/office/drawing/2010/main" xmlns="" w="9525">
+                  <a14:hiddenLine xmlns:a14="http://schemas.microsoft.com/office/drawing/2010/main" w="9525">
                     <a:solidFill>
                       <a:srgbClr val="000000"/>
                     </a:solidFill>
@@ -11752,7 +11753,7 @@
               </a:ln>
               <a:extLst>
                 <a:ext uri="{91240B29-F687-4f45-9708-019B960494DF}">
-                  <a14:hiddenLine xmlns:a14="http://schemas.microsoft.com/office/drawing/2010/main" xmlns="" w="9525">
+                  <a14:hiddenLine xmlns:a14="http://schemas.microsoft.com/office/drawing/2010/main" w="9525">
                     <a:solidFill>
                       <a:srgbClr val="000000"/>
                     </a:solidFill>
@@ -11786,7 +11787,7 @@
               </a:ln>
               <a:extLst>
                 <a:ext uri="{91240B29-F687-4f45-9708-019B960494DF}">
-                  <a14:hiddenLine xmlns:a14="http://schemas.microsoft.com/office/drawing/2010/main" xmlns="" w="9525">
+                  <a14:hiddenLine xmlns:a14="http://schemas.microsoft.com/office/drawing/2010/main" w="9525">
                     <a:solidFill>
                       <a:srgbClr val="000000"/>
                     </a:solidFill>
@@ -11927,7 +11928,7 @@
             <a:fld id="{48A87A34-81AB-432B-8DAE-1953F412C126}" type="datetimeFigureOut">
               <a:rPr lang="en-US" dirty="0"/>
               <a:pPr/>
-              <a:t>3/9/2016</a:t>
+              <a:t>3/9/16</a:t>
             </a:fld>
             <a:endParaRPr lang="en-US" dirty="0"/>
           </a:p>
@@ -12479,12 +12480,16 @@
               <a:t> and threshold on the </a:t>
             </a:r>
             <a:r>
-              <a:rPr lang="en-US" dirty="0" err="1"/>
-              <a:t>asbdiff</a:t>
+              <a:rPr lang="en-US" dirty="0" err="1" smtClean="0"/>
+              <a:t>absdiff</a:t>
+            </a:r>
+            <a:r>
+              <a:rPr lang="en-US" dirty="0" smtClean="0"/>
+              <a:t> </a:t>
             </a:r>
             <a:r>
               <a:rPr lang="en-US" dirty="0"/>
-              <a:t> of two adjacent frames</a:t>
+              <a:t>of two adjacent frames</a:t>
             </a:r>
           </a:p>
           <a:p>
@@ -12550,7 +12555,12 @@
             <p:ph type="title"/>
           </p:nvPr>
         </p:nvSpPr>
-        <p:spPr/>
+        <p:spPr>
+          <a:xfrm>
+            <a:off x="1141413" y="602877"/>
+            <a:ext cx="5934508" cy="633198"/>
+          </a:xfrm>
+        </p:spPr>
         <p:txBody>
           <a:bodyPr/>
           <a:lstStyle/>
@@ -12591,7 +12601,12 @@
             <p:ph type="body" sz="half" idx="2"/>
           </p:nvPr>
         </p:nvSpPr>
-        <p:spPr/>
+        <p:spPr>
+          <a:xfrm>
+            <a:off x="1141410" y="1505481"/>
+            <a:ext cx="5934511" cy="4485048"/>
+          </a:xfrm>
+        </p:spPr>
         <p:txBody>
           <a:bodyPr>
             <a:normAutofit lnSpcReduction="10000"/>
@@ -12638,17 +12653,11 @@
             </a:r>
             <a:r>
               <a:rPr lang="en-US" dirty="0"/>
-              <a:t> on left and right ROI. If a contour is found, we assume it is the ball.</a:t>
+              <a:t> on left and right ROI. If a contour is found, we assume it is the ball</a:t>
             </a:r>
-          </a:p>
-          <a:p>
-            <a:pPr marL="285750" indent="-285750">
-              <a:buFont typeface="Arial" panose="020B0604020202020204" pitchFamily="34" charset="0"/>
-              <a:buChar char="•"/>
-            </a:pPr>
             <a:r>
-              <a:rPr lang="en-US" dirty="0"/>
-              <a:t>We calculate the centroid and area of the ball. If too dissimilar, we throw out the data point.</a:t>
+              <a:rPr lang="en-US" dirty="0" smtClean="0"/>
+              <a:t>.</a:t>
             </a:r>
           </a:p>
           <a:p>
@@ -12668,8 +12677,20 @@
             </a:pPr>
             <a:r>
               <a:rPr lang="en-US" dirty="0"/>
-              <a:t>We only look at the first 10 images once triggered.</a:t>
+              <a:t>We only look at the first 10 images once triggered</a:t>
             </a:r>
+            <a:r>
+              <a:rPr lang="en-US" dirty="0" smtClean="0"/>
+              <a:t>.</a:t>
+            </a:r>
+            <a:endParaRPr lang="en-US" dirty="0" smtClean="0"/>
+          </a:p>
+          <a:p>
+            <a:r>
+              <a:rPr lang="en-US" dirty="0" smtClean="0"/>
+              <a:t>Error reduction:</a:t>
+            </a:r>
+            <a:endParaRPr lang="en-US" dirty="0"/>
           </a:p>
           <a:p>
             <a:pPr marL="285750" indent="-285750">
@@ -12678,7 +12699,32 @@
             </a:pPr>
             <a:r>
               <a:rPr lang="en-US" dirty="0"/>
-              <a:t>After 10 frames with no contours found or 100 frames since triggered, we reset.</a:t>
+              <a:t>We calculate the centroid and area of the ball. If too dissimilar, we throw out the data point</a:t>
+            </a:r>
+            <a:r>
+              <a:rPr lang="en-US" dirty="0" smtClean="0"/>
+              <a:t>.</a:t>
+            </a:r>
+          </a:p>
+          <a:p>
+            <a:r>
+              <a:rPr lang="en-US" dirty="0" smtClean="0"/>
+              <a:t>Reset Catcher</a:t>
+            </a:r>
+            <a:endParaRPr lang="en-US" dirty="0"/>
+          </a:p>
+          <a:p>
+            <a:pPr marL="285750" indent="-285750">
+              <a:buFont typeface="Arial" panose="020B0604020202020204" pitchFamily="34" charset="0"/>
+              <a:buChar char="•"/>
+            </a:pPr>
+            <a:r>
+              <a:rPr lang="en-US" dirty="0" smtClean="0"/>
+              <a:t>After </a:t>
+            </a:r>
+            <a:r>
+              <a:rPr lang="en-US" dirty="0"/>
+              <a:t>10 frames with no contours found or 100 frames since triggered, we reset.</a:t>
             </a:r>
           </a:p>
         </p:txBody>
@@ -12735,44 +12781,528 @@
           </a:p>
         </p:txBody>
       </p:sp>
-      <p:sp>
-        <p:nvSpPr>
-          <p:cNvPr id="4" name="Content Placeholder 3"/>
-          <p:cNvSpPr>
-            <a:spLocks noGrp="1"/>
-          </p:cNvSpPr>
-          <p:nvPr>
-            <p:ph idx="1"/>
-          </p:nvPr>
-        </p:nvSpPr>
-        <p:spPr/>
-        <p:txBody>
-          <a:bodyPr/>
-          <a:lstStyle/>
-          <a:p>
-            <a:endParaRPr lang="en-US"/>
-          </a:p>
-        </p:txBody>
-      </p:sp>
-      <p:sp>
-        <p:nvSpPr>
-          <p:cNvPr id="5" name="Text Placeholder 4"/>
-          <p:cNvSpPr>
-            <a:spLocks noGrp="1"/>
-          </p:cNvSpPr>
-          <p:nvPr>
-            <p:ph type="body" sz="half" idx="2"/>
-          </p:nvPr>
-        </p:nvSpPr>
-        <p:spPr/>
-        <p:txBody>
-          <a:bodyPr/>
-          <a:lstStyle/>
-          <a:p>
-            <a:endParaRPr lang="en-US"/>
-          </a:p>
-        </p:txBody>
-      </p:sp>
+      <p:pic>
+        <p:nvPicPr>
+          <p:cNvPr id="3" name="Picture 2" descr="A_coeffs.pdf"/>
+          <p:cNvPicPr>
+            <a:picLocks noChangeAspect="1"/>
+          </p:cNvPicPr>
+          <p:nvPr/>
+        </p:nvPicPr>
+        <p:blipFill>
+          <a:blip r:embed="rId2">
+            <a:extLst>
+              <a:ext uri="{28A0092B-C50C-407E-A947-70E740481C1C}">
+                <a14:useLocalDpi xmlns:a14="http://schemas.microsoft.com/office/drawing/2010/main" val="0"/>
+              </a:ext>
+            </a:extLst>
+          </a:blip>
+          <a:stretch>
+            <a:fillRect/>
+          </a:stretch>
+        </p:blipFill>
+        <p:spPr>
+          <a:xfrm>
+            <a:off x="3989431" y="2869608"/>
+            <a:ext cx="3746500" cy="520700"/>
+          </a:xfrm>
+          <a:prstGeom prst="rect">
+            <a:avLst/>
+          </a:prstGeom>
+          <a:solidFill>
+            <a:srgbClr val="FFFFFF">
+              <a:shade val="85000"/>
+            </a:srgbClr>
+          </a:solidFill>
+          <a:ln w="88900" cap="sq">
+            <a:noFill/>
+            <a:miter lim="800000"/>
+          </a:ln>
+          <a:effectLst>
+            <a:outerShdw blurRad="55000" dist="18000" dir="5400000" algn="tl" rotWithShape="0">
+              <a:srgbClr val="000000">
+                <a:alpha val="40000"/>
+              </a:srgbClr>
+            </a:outerShdw>
+          </a:effectLst>
+          <a:scene3d>
+            <a:camera prst="orthographicFront"/>
+            <a:lightRig rig="twoPt" dir="t">
+              <a:rot lat="0" lon="0" rev="7200000"/>
+            </a:lightRig>
+          </a:scene3d>
+          <a:sp3d>
+            <a:bevelT w="25400" h="19050"/>
+            <a:contourClr>
+              <a:srgbClr val="FFFFFF"/>
+            </a:contourClr>
+          </a:sp3d>
+        </p:spPr>
+      </p:pic>
+      <p:pic>
+        <p:nvPicPr>
+          <p:cNvPr id="6" name="Picture 5" descr="A_matrix.pdf"/>
+          <p:cNvPicPr>
+            <a:picLocks noChangeAspect="1"/>
+          </p:cNvPicPr>
+          <p:nvPr/>
+        </p:nvPicPr>
+        <p:blipFill>
+          <a:blip r:embed="rId3">
+            <a:extLst>
+              <a:ext uri="{28A0092B-C50C-407E-A947-70E740481C1C}">
+                <a14:useLocalDpi xmlns:a14="http://schemas.microsoft.com/office/drawing/2010/main" val="0"/>
+              </a:ext>
+            </a:extLst>
+          </a:blip>
+          <a:stretch>
+            <a:fillRect/>
+          </a:stretch>
+        </p:blipFill>
+        <p:spPr>
+          <a:xfrm>
+            <a:off x="8170706" y="2868872"/>
+            <a:ext cx="1643188" cy="1173706"/>
+          </a:xfrm>
+          <a:prstGeom prst="rect">
+            <a:avLst/>
+          </a:prstGeom>
+          <a:solidFill>
+            <a:srgbClr val="FFFFFF">
+              <a:shade val="85000"/>
+            </a:srgbClr>
+          </a:solidFill>
+          <a:ln w="88900" cap="sq">
+            <a:noFill/>
+            <a:miter lim="800000"/>
+          </a:ln>
+          <a:effectLst>
+            <a:outerShdw blurRad="55000" dist="18000" dir="5400000" algn="tl" rotWithShape="0">
+              <a:srgbClr val="000000">
+                <a:alpha val="40000"/>
+              </a:srgbClr>
+            </a:outerShdw>
+          </a:effectLst>
+          <a:scene3d>
+            <a:camera prst="orthographicFront"/>
+            <a:lightRig rig="twoPt" dir="t">
+              <a:rot lat="0" lon="0" rev="7200000"/>
+            </a:lightRig>
+          </a:scene3d>
+          <a:sp3d>
+            <a:bevelT w="25400" h="19050"/>
+            <a:contourClr>
+              <a:srgbClr val="FFFFFF"/>
+            </a:contourClr>
+          </a:sp3d>
+        </p:spPr>
+      </p:pic>
+      <p:pic>
+        <p:nvPicPr>
+          <p:cNvPr id="7" name="Picture 6" descr="B_coeffs.pdf"/>
+          <p:cNvPicPr>
+            <a:picLocks noChangeAspect="1"/>
+          </p:cNvPicPr>
+          <p:nvPr/>
+        </p:nvPicPr>
+        <p:blipFill>
+          <a:blip r:embed="rId4">
+            <a:extLst>
+              <a:ext uri="{28A0092B-C50C-407E-A947-70E740481C1C}">
+                <a14:useLocalDpi xmlns:a14="http://schemas.microsoft.com/office/drawing/2010/main" val="0"/>
+              </a:ext>
+            </a:extLst>
+          </a:blip>
+          <a:stretch>
+            <a:fillRect/>
+          </a:stretch>
+        </p:blipFill>
+        <p:spPr>
+          <a:xfrm>
+            <a:off x="3989685" y="3523822"/>
+            <a:ext cx="3797300" cy="520700"/>
+          </a:xfrm>
+          <a:prstGeom prst="rect">
+            <a:avLst/>
+          </a:prstGeom>
+          <a:solidFill>
+            <a:srgbClr val="FFFFFF">
+              <a:shade val="85000"/>
+            </a:srgbClr>
+          </a:solidFill>
+          <a:ln w="88900" cap="sq">
+            <a:noFill/>
+            <a:miter lim="800000"/>
+          </a:ln>
+          <a:effectLst>
+            <a:outerShdw blurRad="55000" dist="18000" dir="5400000" algn="tl" rotWithShape="0">
+              <a:srgbClr val="000000">
+                <a:alpha val="40000"/>
+              </a:srgbClr>
+            </a:outerShdw>
+          </a:effectLst>
+          <a:scene3d>
+            <a:camera prst="orthographicFront"/>
+            <a:lightRig rig="twoPt" dir="t">
+              <a:rot lat="0" lon="0" rev="7200000"/>
+            </a:lightRig>
+          </a:scene3d>
+          <a:sp3d>
+            <a:bevelT w="25400" h="19050"/>
+            <a:contourClr>
+              <a:srgbClr val="FFFFFF"/>
+            </a:contourClr>
+          </a:sp3d>
+        </p:spPr>
+      </p:pic>
+      <p:pic>
+        <p:nvPicPr>
+          <p:cNvPr id="8" name="Picture 7" descr="B_matrix.pdf"/>
+          <p:cNvPicPr>
+            <a:picLocks noChangeAspect="1"/>
+          </p:cNvPicPr>
+          <p:nvPr/>
+        </p:nvPicPr>
+        <p:blipFill>
+          <a:blip r:embed="rId5">
+            <a:extLst>
+              <a:ext uri="{28A0092B-C50C-407E-A947-70E740481C1C}">
+                <a14:useLocalDpi xmlns:a14="http://schemas.microsoft.com/office/drawing/2010/main" val="0"/>
+              </a:ext>
+            </a:extLst>
+          </a:blip>
+          <a:stretch>
+            <a:fillRect/>
+          </a:stretch>
+        </p:blipFill>
+        <p:spPr>
+          <a:xfrm>
+            <a:off x="9980665" y="2867671"/>
+            <a:ext cx="1630489" cy="1177575"/>
+          </a:xfrm>
+          <a:prstGeom prst="rect">
+            <a:avLst/>
+          </a:prstGeom>
+          <a:solidFill>
+            <a:srgbClr val="FFFFFF">
+              <a:shade val="85000"/>
+            </a:srgbClr>
+          </a:solidFill>
+          <a:ln w="88900" cap="sq">
+            <a:noFill/>
+            <a:miter lim="800000"/>
+          </a:ln>
+          <a:effectLst>
+            <a:outerShdw blurRad="55000" dist="18000" dir="5400000" algn="tl" rotWithShape="0">
+              <a:srgbClr val="000000">
+                <a:alpha val="40000"/>
+              </a:srgbClr>
+            </a:outerShdw>
+          </a:effectLst>
+          <a:scene3d>
+            <a:camera prst="orthographicFront"/>
+            <a:lightRig rig="twoPt" dir="t">
+              <a:rot lat="0" lon="0" rev="7200000"/>
+            </a:lightRig>
+          </a:scene3d>
+          <a:sp3d>
+            <a:bevelT w="25400" h="19050"/>
+            <a:contourClr>
+              <a:srgbClr val="FFFFFF"/>
+            </a:contourClr>
+          </a:sp3d>
+        </p:spPr>
+      </p:pic>
+      <p:pic>
+        <p:nvPicPr>
+          <p:cNvPr id="9" name="Picture 8" descr="X_estimate.pdf"/>
+          <p:cNvPicPr>
+            <a:picLocks noChangeAspect="1"/>
+          </p:cNvPicPr>
+          <p:nvPr/>
+        </p:nvPicPr>
+        <p:blipFill>
+          <a:blip r:embed="rId6">
+            <a:extLst>
+              <a:ext uri="{28A0092B-C50C-407E-A947-70E740481C1C}">
+                <a14:useLocalDpi xmlns:a14="http://schemas.microsoft.com/office/drawing/2010/main" val="0"/>
+              </a:ext>
+            </a:extLst>
+          </a:blip>
+          <a:stretch>
+            <a:fillRect/>
+          </a:stretch>
+        </p:blipFill>
+        <p:spPr>
+          <a:xfrm>
+            <a:off x="1198531" y="4511555"/>
+            <a:ext cx="6146800" cy="520700"/>
+          </a:xfrm>
+          <a:prstGeom prst="rect">
+            <a:avLst/>
+          </a:prstGeom>
+          <a:solidFill>
+            <a:srgbClr val="FFFFFF">
+              <a:shade val="85000"/>
+            </a:srgbClr>
+          </a:solidFill>
+          <a:ln w="88900" cap="sq">
+            <a:noFill/>
+            <a:miter lim="800000"/>
+          </a:ln>
+          <a:effectLst>
+            <a:outerShdw blurRad="55000" dist="18000" dir="5400000" algn="tl" rotWithShape="0">
+              <a:srgbClr val="000000">
+                <a:alpha val="40000"/>
+              </a:srgbClr>
+            </a:outerShdw>
+          </a:effectLst>
+          <a:scene3d>
+            <a:camera prst="orthographicFront"/>
+            <a:lightRig rig="twoPt" dir="t">
+              <a:rot lat="0" lon="0" rev="7200000"/>
+            </a:lightRig>
+          </a:scene3d>
+          <a:sp3d>
+            <a:bevelT w="25400" h="19050"/>
+            <a:contourClr>
+              <a:srgbClr val="FFFFFF"/>
+            </a:contourClr>
+          </a:sp3d>
+        </p:spPr>
+      </p:pic>
+      <p:pic>
+        <p:nvPicPr>
+          <p:cNvPr id="10" name="Picture 9" descr="Y_estimate.pdf"/>
+          <p:cNvPicPr>
+            <a:picLocks noChangeAspect="1"/>
+          </p:cNvPicPr>
+          <p:nvPr/>
+        </p:nvPicPr>
+        <p:blipFill>
+          <a:blip r:embed="rId7">
+            <a:extLst>
+              <a:ext uri="{28A0092B-C50C-407E-A947-70E740481C1C}">
+                <a14:useLocalDpi xmlns:a14="http://schemas.microsoft.com/office/drawing/2010/main" val="0"/>
+              </a:ext>
+            </a:extLst>
+          </a:blip>
+          <a:stretch>
+            <a:fillRect/>
+          </a:stretch>
+        </p:blipFill>
+        <p:spPr>
+          <a:xfrm>
+            <a:off x="4887704" y="5396658"/>
+            <a:ext cx="6248400" cy="520700"/>
+          </a:xfrm>
+          <a:prstGeom prst="rect">
+            <a:avLst/>
+          </a:prstGeom>
+          <a:solidFill>
+            <a:srgbClr val="FFFFFF">
+              <a:shade val="85000"/>
+            </a:srgbClr>
+          </a:solidFill>
+          <a:ln w="88900" cap="sq">
+            <a:noFill/>
+            <a:miter lim="800000"/>
+          </a:ln>
+          <a:effectLst>
+            <a:outerShdw blurRad="55000" dist="18000" dir="5400000" algn="tl" rotWithShape="0">
+              <a:srgbClr val="000000">
+                <a:alpha val="40000"/>
+              </a:srgbClr>
+            </a:outerShdw>
+          </a:effectLst>
+          <a:scene3d>
+            <a:camera prst="orthographicFront"/>
+            <a:lightRig rig="twoPt" dir="t">
+              <a:rot lat="0" lon="0" rev="7200000"/>
+            </a:lightRig>
+          </a:scene3d>
+          <a:sp3d>
+            <a:bevelT w="25400" h="19050"/>
+            <a:contourClr>
+              <a:srgbClr val="FFFFFF"/>
+            </a:contourClr>
+          </a:sp3d>
+        </p:spPr>
+      </p:pic>
+      <p:pic>
+        <p:nvPicPr>
+          <p:cNvPr id="11" name="Picture 10" descr="Z_matrix.pdf"/>
+          <p:cNvPicPr>
+            <a:picLocks noChangeAspect="1"/>
+          </p:cNvPicPr>
+          <p:nvPr/>
+        </p:nvPicPr>
+        <p:blipFill>
+          <a:blip r:embed="rId8">
+            <a:extLst>
+              <a:ext uri="{28A0092B-C50C-407E-A947-70E740481C1C}">
+                <a14:useLocalDpi xmlns:a14="http://schemas.microsoft.com/office/drawing/2010/main" val="0"/>
+              </a:ext>
+            </a:extLst>
+          </a:blip>
+          <a:stretch>
+            <a:fillRect/>
+          </a:stretch>
+        </p:blipFill>
+        <p:spPr>
+          <a:xfrm>
+            <a:off x="8813260" y="633577"/>
+            <a:ext cx="2801461" cy="2057863"/>
+          </a:xfrm>
+          <a:prstGeom prst="rect">
+            <a:avLst/>
+          </a:prstGeom>
+          <a:solidFill>
+            <a:srgbClr val="FFFFFF">
+              <a:shade val="85000"/>
+            </a:srgbClr>
+          </a:solidFill>
+          <a:ln w="88900" cap="sq">
+            <a:noFill/>
+            <a:miter lim="800000"/>
+          </a:ln>
+          <a:effectLst>
+            <a:outerShdw blurRad="55000" dist="18000" dir="5400000" algn="tl" rotWithShape="0">
+              <a:srgbClr val="000000">
+                <a:alpha val="40000"/>
+              </a:srgbClr>
+            </a:outerShdw>
+          </a:effectLst>
+          <a:scene3d>
+            <a:camera prst="orthographicFront"/>
+            <a:lightRig rig="twoPt" dir="t">
+              <a:rot lat="0" lon="0" rev="7200000"/>
+            </a:lightRig>
+          </a:scene3d>
+          <a:sp3d>
+            <a:bevelT w="25400" h="19050"/>
+            <a:contourClr>
+              <a:srgbClr val="FFFFFF"/>
+            </a:contourClr>
+          </a:sp3d>
+        </p:spPr>
+      </p:pic>
+      <p:pic>
+        <p:nvPicPr>
+          <p:cNvPr id="12" name="Picture 11" descr="Y_matrix.pdf"/>
+          <p:cNvPicPr>
+            <a:picLocks noChangeAspect="1"/>
+          </p:cNvPicPr>
+          <p:nvPr/>
+        </p:nvPicPr>
+        <p:blipFill>
+          <a:blip r:embed="rId9">
+            <a:extLst>
+              <a:ext uri="{28A0092B-C50C-407E-A947-70E740481C1C}">
+                <a14:useLocalDpi xmlns:a14="http://schemas.microsoft.com/office/drawing/2010/main" val="0"/>
+              </a:ext>
+            </a:extLst>
+          </a:blip>
+          <a:stretch>
+            <a:fillRect/>
+          </a:stretch>
+        </p:blipFill>
+        <p:spPr>
+          <a:xfrm>
+            <a:off x="6504110" y="628550"/>
+            <a:ext cx="1674551" cy="2064991"/>
+          </a:xfrm>
+          <a:prstGeom prst="rect">
+            <a:avLst/>
+          </a:prstGeom>
+          <a:solidFill>
+            <a:srgbClr val="FFFFFF">
+              <a:shade val="85000"/>
+            </a:srgbClr>
+          </a:solidFill>
+          <a:ln w="88900" cap="sq">
+            <a:noFill/>
+            <a:miter lim="800000"/>
+          </a:ln>
+          <a:effectLst>
+            <a:outerShdw blurRad="55000" dist="18000" dir="5400000" algn="tl" rotWithShape="0">
+              <a:srgbClr val="000000">
+                <a:alpha val="40000"/>
+              </a:srgbClr>
+            </a:outerShdw>
+          </a:effectLst>
+          <a:scene3d>
+            <a:camera prst="orthographicFront"/>
+            <a:lightRig rig="twoPt" dir="t">
+              <a:rot lat="0" lon="0" rev="7200000"/>
+            </a:lightRig>
+          </a:scene3d>
+          <a:sp3d>
+            <a:bevelT w="25400" h="19050"/>
+            <a:contourClr>
+              <a:srgbClr val="FFFFFF"/>
+            </a:contourClr>
+          </a:sp3d>
+        </p:spPr>
+      </p:pic>
+      <p:pic>
+        <p:nvPicPr>
+          <p:cNvPr id="13" name="Picture 12" descr="X_matrix.pdf"/>
+          <p:cNvPicPr>
+            <a:picLocks noChangeAspect="1"/>
+          </p:cNvPicPr>
+          <p:nvPr/>
+        </p:nvPicPr>
+        <p:blipFill>
+          <a:blip r:embed="rId10">
+            <a:extLst>
+              <a:ext uri="{28A0092B-C50C-407E-A947-70E740481C1C}">
+                <a14:useLocalDpi xmlns:a14="http://schemas.microsoft.com/office/drawing/2010/main" val="0"/>
+              </a:ext>
+            </a:extLst>
+          </a:blip>
+          <a:stretch>
+            <a:fillRect/>
+          </a:stretch>
+        </p:blipFill>
+        <p:spPr>
+          <a:xfrm>
+            <a:off x="3988008" y="618090"/>
+            <a:ext cx="1733521" cy="2062890"/>
+          </a:xfrm>
+          <a:prstGeom prst="rect">
+            <a:avLst/>
+          </a:prstGeom>
+          <a:solidFill>
+            <a:srgbClr val="FFFFFF">
+              <a:shade val="85000"/>
+            </a:srgbClr>
+          </a:solidFill>
+          <a:ln w="88900" cap="sq">
+            <a:noFill/>
+            <a:miter lim="800000"/>
+          </a:ln>
+          <a:effectLst>
+            <a:outerShdw blurRad="55000" dist="18000" dir="5400000" algn="tl" rotWithShape="0">
+              <a:srgbClr val="000000">
+                <a:alpha val="40000"/>
+              </a:srgbClr>
+            </a:outerShdw>
+          </a:effectLst>
+          <a:scene3d>
+            <a:camera prst="orthographicFront"/>
+            <a:lightRig rig="twoPt" dir="t">
+              <a:rot lat="0" lon="0" rev="7200000"/>
+            </a:lightRig>
+          </a:scene3d>
+          <a:sp3d>
+            <a:bevelT w="25400" h="19050"/>
+            <a:contourClr>
+              <a:srgbClr val="FFFFFF"/>
+            </a:contourClr>
+          </a:sp3d>
+        </p:spPr>
+      </p:pic>
     </p:spTree>
     <p:extLst>
       <p:ext uri="{BB962C8B-B14F-4D97-AF65-F5344CB8AC3E}">
@@ -12787,6 +13317,204 @@
 </file>
 
 <file path=ppt/slides/slide5.xml><?xml version="1.0" encoding="utf-8"?>
+<p:sld xmlns:a="http://schemas.openxmlformats.org/drawingml/2006/main" xmlns:r="http://schemas.openxmlformats.org/officeDocument/2006/relationships" xmlns:p="http://schemas.openxmlformats.org/presentationml/2006/main">
+  <p:cSld>
+    <p:spTree>
+      <p:nvGrpSpPr>
+        <p:cNvPr id="1" name=""/>
+        <p:cNvGrpSpPr/>
+        <p:nvPr/>
+      </p:nvGrpSpPr>
+      <p:grpSpPr>
+        <a:xfrm>
+          <a:off x="0" y="0"/>
+          <a:ext cx="0" cy="0"/>
+          <a:chOff x="0" y="0"/>
+          <a:chExt cx="0" cy="0"/>
+        </a:xfrm>
+      </p:grpSpPr>
+      <p:sp>
+        <p:nvSpPr>
+          <p:cNvPr id="2" name="Title 1"/>
+          <p:cNvSpPr>
+            <a:spLocks noGrp="1"/>
+          </p:cNvSpPr>
+          <p:nvPr>
+            <p:ph type="title"/>
+          </p:nvPr>
+        </p:nvSpPr>
+        <p:spPr/>
+        <p:txBody>
+          <a:bodyPr/>
+          <a:lstStyle/>
+          <a:p>
+            <a:r>
+              <a:rPr lang="en-US" dirty="0"/>
+              <a:t>Projectile Trajectory Algorithm</a:t>
+            </a:r>
+          </a:p>
+        </p:txBody>
+      </p:sp>
+      <p:pic>
+        <p:nvPicPr>
+          <p:cNvPr id="4" name="Picture 3" descr="Coords_pic.png"/>
+          <p:cNvPicPr>
+            <a:picLocks noChangeAspect="1"/>
+          </p:cNvPicPr>
+          <p:nvPr/>
+        </p:nvPicPr>
+        <p:blipFill>
+          <a:blip r:embed="rId2">
+            <a:extLst>
+              <a:ext uri="{28A0092B-C50C-407E-A947-70E740481C1C}">
+                <a14:useLocalDpi xmlns:a14="http://schemas.microsoft.com/office/drawing/2010/main" val="0"/>
+              </a:ext>
+            </a:extLst>
+          </a:blip>
+          <a:stretch>
+            <a:fillRect/>
+          </a:stretch>
+        </p:blipFill>
+        <p:spPr>
+          <a:xfrm>
+            <a:off x="4833518" y="439026"/>
+            <a:ext cx="4803648" cy="3432048"/>
+          </a:xfrm>
+          <a:prstGeom prst="rect">
+            <a:avLst/>
+          </a:prstGeom>
+        </p:spPr>
+      </p:pic>
+      <p:pic>
+        <p:nvPicPr>
+          <p:cNvPr id="5" name="Picture 4" descr="X_command.pdf"/>
+          <p:cNvPicPr>
+            <a:picLocks noChangeAspect="1"/>
+          </p:cNvPicPr>
+          <p:nvPr/>
+        </p:nvPicPr>
+        <p:blipFill>
+          <a:blip r:embed="rId3">
+            <a:extLst>
+              <a:ext uri="{28A0092B-C50C-407E-A947-70E740481C1C}">
+                <a14:useLocalDpi xmlns:a14="http://schemas.microsoft.com/office/drawing/2010/main" val="0"/>
+              </a:ext>
+            </a:extLst>
+          </a:blip>
+          <a:stretch>
+            <a:fillRect/>
+          </a:stretch>
+        </p:blipFill>
+        <p:spPr>
+          <a:xfrm>
+            <a:off x="1706207" y="4620398"/>
+            <a:ext cx="8077200" cy="482600"/>
+          </a:xfrm>
+          <a:prstGeom prst="rect">
+            <a:avLst/>
+          </a:prstGeom>
+          <a:solidFill>
+            <a:srgbClr val="FFFFFF">
+              <a:shade val="85000"/>
+            </a:srgbClr>
+          </a:solidFill>
+          <a:ln w="88900" cap="sq">
+            <a:noFill/>
+            <a:miter lim="800000"/>
+          </a:ln>
+          <a:effectLst>
+            <a:outerShdw blurRad="55000" dist="18000" dir="5400000" algn="tl" rotWithShape="0">
+              <a:srgbClr val="000000">
+                <a:alpha val="40000"/>
+              </a:srgbClr>
+            </a:outerShdw>
+          </a:effectLst>
+          <a:scene3d>
+            <a:camera prst="orthographicFront"/>
+            <a:lightRig rig="twoPt" dir="t">
+              <a:rot lat="0" lon="0" rev="7200000"/>
+            </a:lightRig>
+          </a:scene3d>
+          <a:sp3d>
+            <a:bevelT w="25400" h="19050"/>
+            <a:contourClr>
+              <a:srgbClr val="FFFFFF"/>
+            </a:contourClr>
+          </a:sp3d>
+        </p:spPr>
+      </p:pic>
+      <p:pic>
+        <p:nvPicPr>
+          <p:cNvPr id="14" name="Picture 13" descr="Y_command.pdf"/>
+          <p:cNvPicPr>
+            <a:picLocks noChangeAspect="1"/>
+          </p:cNvPicPr>
+          <p:nvPr/>
+        </p:nvPicPr>
+        <p:blipFill>
+          <a:blip r:embed="rId4">
+            <a:extLst>
+              <a:ext uri="{28A0092B-C50C-407E-A947-70E740481C1C}">
+                <a14:useLocalDpi xmlns:a14="http://schemas.microsoft.com/office/drawing/2010/main" val="0"/>
+              </a:ext>
+            </a:extLst>
+          </a:blip>
+          <a:stretch>
+            <a:fillRect/>
+          </a:stretch>
+        </p:blipFill>
+        <p:spPr>
+          <a:xfrm>
+            <a:off x="1771996" y="5364397"/>
+            <a:ext cx="7924800" cy="482600"/>
+          </a:xfrm>
+          <a:prstGeom prst="rect">
+            <a:avLst/>
+          </a:prstGeom>
+          <a:solidFill>
+            <a:srgbClr val="FFFFFF">
+              <a:shade val="85000"/>
+            </a:srgbClr>
+          </a:solidFill>
+          <a:ln w="88900" cap="sq">
+            <a:noFill/>
+            <a:miter lim="800000"/>
+          </a:ln>
+          <a:effectLst>
+            <a:outerShdw blurRad="55000" dist="18000" dir="5400000" algn="tl" rotWithShape="0">
+              <a:srgbClr val="000000">
+                <a:alpha val="40000"/>
+              </a:srgbClr>
+            </a:outerShdw>
+          </a:effectLst>
+          <a:scene3d>
+            <a:camera prst="orthographicFront"/>
+            <a:lightRig rig="twoPt" dir="t">
+              <a:rot lat="0" lon="0" rev="7200000"/>
+            </a:lightRig>
+          </a:scene3d>
+          <a:sp3d>
+            <a:bevelT w="25400" h="19050"/>
+            <a:contourClr>
+              <a:srgbClr val="FFFFFF"/>
+            </a:contourClr>
+          </a:sp3d>
+        </p:spPr>
+      </p:pic>
+    </p:spTree>
+    <p:extLst>
+      <p:ext uri="{BB962C8B-B14F-4D97-AF65-F5344CB8AC3E}">
+        <p14:creationId xmlns:p14="http://schemas.microsoft.com/office/powerpoint/2010/main" val="4251767632"/>
+      </p:ext>
+    </p:extLst>
+  </p:cSld>
+  <p:clrMapOvr>
+    <a:masterClrMapping/>
+  </p:clrMapOvr>
+</p:sld>
+</file>
+
+<file path=ppt/slides/slide6.xml><?xml version="1.0" encoding="utf-8"?>
 <p:sld xmlns:a="http://schemas.openxmlformats.org/drawingml/2006/main" xmlns:r="http://schemas.openxmlformats.org/officeDocument/2006/relationships" xmlns:p="http://schemas.openxmlformats.org/presentationml/2006/main">
   <p:cSld>
     <p:spTree>
@@ -12900,7 +13628,7 @@
     </a:clrScheme>
     <a:fontScheme name="Circuit">
       <a:majorFont>
-        <a:latin typeface="Tw Cen MT" panose="020B0602020104020603"/>
+        <a:latin typeface="Tw Cen MT"/>
         <a:ea typeface=""/>
         <a:cs typeface=""/>
         <a:font script="Jpan" typeface="ＭＳ Ｐゴシック"/>
@@ -12935,7 +13663,7 @@
         <a:font script="Geor" typeface="Sylfaen"/>
       </a:majorFont>
       <a:minorFont>
-        <a:latin typeface="Tw Cen MT" panose="020B0602020104020603"/>
+        <a:latin typeface="Tw Cen MT"/>
         <a:ea typeface=""/>
         <a:cs typeface=""/>
         <a:font script="Jpan" typeface="ＭＳ Ｐゴシック"/>
@@ -13102,7 +13830,7 @@
   <a:extraClrSchemeLst/>
   <a:extLst>
     <a:ext uri="{05A4C25C-085E-4340-85A3-A5531E510DB2}">
-      <thm15:themeFamily xmlns:thm15="http://schemas.microsoft.com/office/thememl/2012/main" name="Circuit" id="{0AC2F7E7-15F5-431C-B2A2-456FE929F56C}" vid="{142578CA-DEC9-49C3-80AF-C113973CC9A9}"/>
+      <thm15:themeFamily xmlns:thm15="http://schemas.microsoft.com/office/thememl/2012/main" xmlns="" name="Circuit" id="{0AC2F7E7-15F5-431C-B2A2-456FE929F56C}" vid="{142578CA-DEC9-49C3-80AF-C113973CC9A9}"/>
     </a:ext>
   </a:extLst>
 </a:theme>
